--- a/communication/tool_scheme.pptx
+++ b/communication/tool_scheme.pptx
@@ -2543,7 +2543,7 @@
     <p:bg>
       <p:bgPr>
         <a:solidFill>
-          <a:schemeClr val="tx1"/>
+          <a:schemeClr val="bg1"/>
         </a:solidFill>
         <a:effectLst/>
       </p:bgPr>
@@ -3083,9 +3083,6 @@
           <a:p>
             <a:r>
               <a:rPr lang="en-US" altLang="zh-CN" sz="3600" dirty="0" smtClean="0">
-                <a:solidFill>
-                  <a:schemeClr val="bg1"/>
-                </a:solidFill>
                 <a:latin typeface="Arial" panose="020B0604020202020204" pitchFamily="34" charset="0"/>
                 <a:cs typeface="Arial" panose="020B0604020202020204" pitchFamily="34" charset="0"/>
               </a:rPr>
@@ -3093,9 +3090,6 @@
             </a:r>
             <a:r>
               <a:rPr lang="en-US" altLang="zh-CN" sz="3600" dirty="0" err="1" smtClean="0">
-                <a:solidFill>
-                  <a:schemeClr val="bg1"/>
-                </a:solidFill>
                 <a:latin typeface="Arial" panose="020B0604020202020204" pitchFamily="34" charset="0"/>
                 <a:cs typeface="Arial" panose="020B0604020202020204" pitchFamily="34" charset="0"/>
               </a:rPr>
